--- a/VISWA NM.pptx
+++ b/VISWA NM.pptx
@@ -127,7 +127,7 @@
           <a:p>
             <a:fld id="{43A37A64-9E72-4405-B170-405C54C5774B}" type="datetimeFigureOut">
               <a:rPr lang="en-IN" smtClean="0"/>
-              <a:t>31-03-2024</a:t>
+              <a:t>01-04-2024</a:t>
             </a:fld>
             <a:endParaRPr lang="en-IN"/>
           </a:p>
@@ -624,7 +624,7 @@
           <a:p>
             <a:fld id="{1D8BD707-D9CF-40AE-B4C6-C98DA3205C09}" type="datetimeFigureOut">
               <a:rPr lang="en-US"/>
-              <a:t>3/31/2024</a:t>
+              <a:t>4/1/2024</a:t>
             </a:fld>
             <a:endParaRPr lang="en-US"/>
           </a:p>
@@ -804,7 +804,7 @@
           <a:p>
             <a:fld id="{1D8BD707-D9CF-40AE-B4C6-C98DA3205C09}" type="datetimeFigureOut">
               <a:rPr lang="en-US"/>
-              <a:t>3/31/2024</a:t>
+              <a:t>4/1/2024</a:t>
             </a:fld>
             <a:endParaRPr lang="en-US"/>
           </a:p>
@@ -1027,7 +1027,7 @@
           <a:p>
             <a:fld id="{1D8BD707-D9CF-40AE-B4C6-C98DA3205C09}" type="datetimeFigureOut">
               <a:rPr lang="en-US"/>
-              <a:t>3/31/2024</a:t>
+              <a:t>4/1/2024</a:t>
             </a:fld>
             <a:endParaRPr lang="en-US"/>
           </a:p>
@@ -1184,7 +1184,7 @@
           <a:p>
             <a:fld id="{1D8BD707-D9CF-40AE-B4C6-C98DA3205C09}" type="datetimeFigureOut">
               <a:rPr lang="en-US"/>
-              <a:t>3/31/2024</a:t>
+              <a:t>4/1/2024</a:t>
             </a:fld>
             <a:endParaRPr lang="en-US"/>
           </a:p>
@@ -1312,7 +1312,7 @@
           <a:p>
             <a:fld id="{1D8BD707-D9CF-40AE-B4C6-C98DA3205C09}" type="datetimeFigureOut">
               <a:rPr lang="en-US"/>
-              <a:t>3/31/2024</a:t>
+              <a:t>4/1/2024</a:t>
             </a:fld>
             <a:endParaRPr lang="en-US"/>
           </a:p>
@@ -2031,7 +2031,7 @@
           <a:p>
             <a:fld id="{1D8BD707-D9CF-40AE-B4C6-C98DA3205C09}" type="datetimeFigureOut">
               <a:rPr lang="en-US"/>
-              <a:t>3/31/2024</a:t>
+              <a:t>4/1/2024</a:t>
             </a:fld>
             <a:endParaRPr lang="en-US"/>
           </a:p>
@@ -3148,7 +3148,7 @@
         <p:spPr>
           <a:xfrm>
             <a:off x="1219200" y="1447800"/>
-            <a:ext cx="8224837" cy="1077218"/>
+            <a:ext cx="8224837" cy="2062103"/>
           </a:xfrm>
           <a:prstGeom prst="rect">
             <a:avLst/>
@@ -3169,6 +3169,30 @@
               </a:rPr>
               <a:t>The result of the project is an RL agent capable of generating interactive stories based on a given prompt. The generated stories are coherent, grammatically correct, and engaging. Users can provide a prompt, and the agent will generate a story following the prompt's context and style.</a:t>
             </a:r>
+          </a:p>
+          <a:p>
+            <a:pPr algn="just"/>
+            <a:endParaRPr lang="en-US" sz="1600" dirty="0">
+              <a:latin typeface="Arial" pitchFamily="34" charset="0"/>
+              <a:cs typeface="Arial" pitchFamily="34" charset="0"/>
+            </a:endParaRPr>
+          </a:p>
+          <a:p>
+            <a:pPr algn="just"/>
+            <a:endParaRPr lang="en-US" sz="1600" dirty="0">
+              <a:latin typeface="Arial" pitchFamily="34" charset="0"/>
+              <a:cs typeface="Arial" pitchFamily="34" charset="0"/>
+            </a:endParaRPr>
+          </a:p>
+          <a:p>
+            <a:pPr algn="just"/>
+            <a:endParaRPr lang="en-US" sz="1600" dirty="0">
+              <a:latin typeface="Arial" pitchFamily="34" charset="0"/>
+              <a:cs typeface="Arial" pitchFamily="34" charset="0"/>
+            </a:endParaRPr>
+          </a:p>
+          <a:p>
+            <a:pPr algn="just"/>
             <a:endParaRPr lang="en-IN" sz="1600" dirty="0">
               <a:latin typeface="Arial" pitchFamily="34" charset="0"/>
               <a:cs typeface="Arial" pitchFamily="34" charset="0"/>
@@ -3176,6 +3200,36 @@
           </a:p>
         </p:txBody>
       </p:sp>
+      <p:pic>
+        <p:nvPicPr>
+          <p:cNvPr id="12" name="Picture 11">
+            <a:extLst>
+              <a:ext uri="{FF2B5EF4-FFF2-40B4-BE49-F238E27FC236}">
+                <a16:creationId xmlns:a16="http://schemas.microsoft.com/office/drawing/2014/main" id="{270BCBAB-02F4-3827-A10D-7707EE1F1086}"/>
+              </a:ext>
+            </a:extLst>
+          </p:cNvPr>
+          <p:cNvPicPr>
+            <a:picLocks noChangeAspect="1"/>
+          </p:cNvPicPr>
+          <p:nvPr/>
+        </p:nvPicPr>
+        <p:blipFill>
+          <a:blip r:embed="rId4"/>
+          <a:stretch>
+            <a:fillRect/>
+          </a:stretch>
+        </p:blipFill>
+        <p:spPr>
+          <a:xfrm>
+            <a:off x="1219200" y="2767761"/>
+            <a:ext cx="8772589" cy="1362085"/>
+          </a:xfrm>
+          <a:prstGeom prst="rect">
+            <a:avLst/>
+          </a:prstGeom>
+        </p:spPr>
+      </p:pic>
     </p:spTree>
   </p:cSld>
   <p:clrMapOvr>
@@ -3209,7 +3263,7 @@
         </p:nvSpPr>
         <p:spPr>
           <a:xfrm>
-            <a:off x="0" y="0"/>
+            <a:off x="0" y="152400"/>
             <a:ext cx="12192000" cy="6858000"/>
           </a:xfrm>
           <a:custGeom>
